--- a/Презентация.pptx
+++ b/Презентация.pptx
@@ -6555,28 +6555,75 @@
           </a:p>
         </p:txBody>
       </p:sp>
-      <p:sp>
-        <p:nvSpPr>
-          <p:cNvPr id="3" name="Объект 2">
+      <p:pic>
+        <p:nvPicPr>
+          <p:cNvPr id="5" name="Объект 4">
             <a:extLst>
               <a:ext uri="{FF2B5EF4-FFF2-40B4-BE49-F238E27FC236}">
-                <a16:creationId xmlns:a16="http://schemas.microsoft.com/office/drawing/2014/main" id="{9928815B-60B8-CDDD-7528-8B941655FC22}"/>
+                <a16:creationId xmlns:a16="http://schemas.microsoft.com/office/drawing/2014/main" id="{8D618511-EC5C-7C37-DF25-E5CBAB0D847E}"/>
               </a:ext>
             </a:extLst>
           </p:cNvPr>
-          <p:cNvSpPr>
-            <a:spLocks noGrp="1"/>
-          </p:cNvSpPr>
+          <p:cNvPicPr>
+            <a:picLocks noGrp="1" noChangeAspect="1"/>
+          </p:cNvPicPr>
           <p:nvPr>
             <p:ph idx="1"/>
           </p:nvPr>
-        </p:nvSpPr>
-        <p:spPr/>
-        <p:txBody>
-          <a:bodyPr/>
-          <a:lstStyle/>
-          <a:p>
-            <a:endParaRPr lang="ru-RU"/>
+        </p:nvPicPr>
+        <p:blipFill>
+          <a:blip r:embed="rId2"/>
+          <a:stretch>
+            <a:fillRect/>
+          </a:stretch>
+        </p:blipFill>
+        <p:spPr>
+          <a:xfrm>
+            <a:off x="1057364" y="1966912"/>
+            <a:ext cx="5219700" cy="2924175"/>
+          </a:xfrm>
+        </p:spPr>
+      </p:pic>
+      <p:sp>
+        <p:nvSpPr>
+          <p:cNvPr id="6" name="TextBox 5">
+            <a:extLst>
+              <a:ext uri="{FF2B5EF4-FFF2-40B4-BE49-F238E27FC236}">
+                <a16:creationId xmlns:a16="http://schemas.microsoft.com/office/drawing/2014/main" id="{3EC83B9F-1E58-403F-059E-405051519A8F}"/>
+              </a:ext>
+            </a:extLst>
+          </p:cNvPr>
+          <p:cNvSpPr txBox="1"/>
+          <p:nvPr/>
+        </p:nvSpPr>
+        <p:spPr>
+          <a:xfrm>
+            <a:off x="6711352" y="2708693"/>
+            <a:ext cx="4066140" cy="646331"/>
+          </a:xfrm>
+          <a:prstGeom prst="rect">
+            <a:avLst/>
+          </a:prstGeom>
+          <a:noFill/>
+        </p:spPr>
+        <p:txBody>
+          <a:bodyPr wrap="square" rtlCol="0">
+            <a:spAutoFit/>
+          </a:bodyPr>
+          <a:lstStyle/>
+          <a:p>
+            <a:r>
+              <a:rPr lang="ru-RU" dirty="0"/>
+              <a:t>На фотографии видно работу проекта</a:t>
+            </a:r>
+            <a:r>
+              <a:rPr lang="en-US" dirty="0"/>
+              <a:t>, </a:t>
+            </a:r>
+            <a:r>
+              <a:rPr lang="ru-RU" dirty="0"/>
+              <a:t>как работает шифрование</a:t>
+            </a:r>
           </a:p>
         </p:txBody>
       </p:sp>
@@ -6777,7 +6824,11 @@
           <a:bodyPr/>
           <a:lstStyle/>
           <a:p>
-            <a:endParaRPr lang="ru-RU"/>
+            <a:r>
+              <a:rPr lang="en-US" dirty="0"/>
+              <a:t>https://github.com/PetrStroganov/cryptography/blob/main/main_window.py</a:t>
+            </a:r>
+            <a:endParaRPr lang="ru-RU" dirty="0"/>
           </a:p>
         </p:txBody>
       </p:sp>

--- a/Презентация.pptx
+++ b/Презентация.pptx
@@ -109,6 +109,11 @@
       </a:defRPr>
     </a:lvl9pPr>
   </p:defaultTextStyle>
+  <p:extLst>
+    <p:ext uri="{EFAFB233-063F-42B5-8137-9DF3F51BA10A}">
+      <p15:sldGuideLst xmlns:p15="http://schemas.microsoft.com/office/powerpoint/2012/main"/>
+    </p:ext>
+  </p:extLst>
 </p:presentation>
 </file>
 
@@ -297,7 +302,7 @@
           <a:p>
             <a:fld id="{206550B1-4194-4AD0-AA33-CD6CCFE28DD2}" type="datetimeFigureOut">
               <a:rPr lang="ru-RU" smtClean="0"/>
-              <a:t>18.11.2024</a:t>
+              <a:t>19.11.2024</a:t>
             </a:fld>
             <a:endParaRPr lang="ru-RU"/>
           </a:p>
@@ -595,7 +600,7 @@
           <a:p>
             <a:fld id="{206550B1-4194-4AD0-AA33-CD6CCFE28DD2}" type="datetimeFigureOut">
               <a:rPr lang="ru-RU" smtClean="0"/>
-              <a:t>18.11.2024</a:t>
+              <a:t>19.11.2024</a:t>
             </a:fld>
             <a:endParaRPr lang="ru-RU"/>
           </a:p>
@@ -787,7 +792,7 @@
           <a:p>
             <a:fld id="{206550B1-4194-4AD0-AA33-CD6CCFE28DD2}" type="datetimeFigureOut">
               <a:rPr lang="ru-RU" smtClean="0"/>
-              <a:t>18.11.2024</a:t>
+              <a:t>19.11.2024</a:t>
             </a:fld>
             <a:endParaRPr lang="ru-RU"/>
           </a:p>
@@ -1048,7 +1053,7 @@
           <a:p>
             <a:fld id="{206550B1-4194-4AD0-AA33-CD6CCFE28DD2}" type="datetimeFigureOut">
               <a:rPr lang="ru-RU" smtClean="0"/>
-              <a:t>18.11.2024</a:t>
+              <a:t>19.11.2024</a:t>
             </a:fld>
             <a:endParaRPr lang="ru-RU"/>
           </a:p>
@@ -1472,7 +1477,7 @@
           <a:p>
             <a:fld id="{206550B1-4194-4AD0-AA33-CD6CCFE28DD2}" type="datetimeFigureOut">
               <a:rPr lang="ru-RU" smtClean="0"/>
-              <a:t>18.11.2024</a:t>
+              <a:t>19.11.2024</a:t>
             </a:fld>
             <a:endParaRPr lang="ru-RU"/>
           </a:p>
@@ -2009,7 +2014,7 @@
           <a:p>
             <a:fld id="{206550B1-4194-4AD0-AA33-CD6CCFE28DD2}" type="datetimeFigureOut">
               <a:rPr lang="ru-RU" smtClean="0"/>
-              <a:t>18.11.2024</a:t>
+              <a:t>19.11.2024</a:t>
             </a:fld>
             <a:endParaRPr lang="ru-RU"/>
           </a:p>
@@ -2873,7 +2878,7 @@
           <a:p>
             <a:fld id="{206550B1-4194-4AD0-AA33-CD6CCFE28DD2}" type="datetimeFigureOut">
               <a:rPr lang="ru-RU" smtClean="0"/>
-              <a:t>18.11.2024</a:t>
+              <a:t>19.11.2024</a:t>
             </a:fld>
             <a:endParaRPr lang="ru-RU"/>
           </a:p>
@@ -3043,7 +3048,7 @@
           <a:p>
             <a:fld id="{206550B1-4194-4AD0-AA33-CD6CCFE28DD2}" type="datetimeFigureOut">
               <a:rPr lang="ru-RU" smtClean="0"/>
-              <a:t>18.11.2024</a:t>
+              <a:t>19.11.2024</a:t>
             </a:fld>
             <a:endParaRPr lang="ru-RU"/>
           </a:p>
@@ -3227,7 +3232,7 @@
           <a:p>
             <a:fld id="{206550B1-4194-4AD0-AA33-CD6CCFE28DD2}" type="datetimeFigureOut">
               <a:rPr lang="ru-RU" smtClean="0"/>
-              <a:t>18.11.2024</a:t>
+              <a:t>19.11.2024</a:t>
             </a:fld>
             <a:endParaRPr lang="ru-RU"/>
           </a:p>
@@ -3397,7 +3402,7 @@
           <a:p>
             <a:fld id="{206550B1-4194-4AD0-AA33-CD6CCFE28DD2}" type="datetimeFigureOut">
               <a:rPr lang="ru-RU" smtClean="0"/>
-              <a:t>18.11.2024</a:t>
+              <a:t>19.11.2024</a:t>
             </a:fld>
             <a:endParaRPr lang="ru-RU"/>
           </a:p>
@@ -3641,7 +3646,7 @@
           <a:p>
             <a:fld id="{206550B1-4194-4AD0-AA33-CD6CCFE28DD2}" type="datetimeFigureOut">
               <a:rPr lang="ru-RU" smtClean="0"/>
-              <a:t>18.11.2024</a:t>
+              <a:t>19.11.2024</a:t>
             </a:fld>
             <a:endParaRPr lang="ru-RU"/>
           </a:p>
@@ -3877,7 +3882,7 @@
           <a:p>
             <a:fld id="{206550B1-4194-4AD0-AA33-CD6CCFE28DD2}" type="datetimeFigureOut">
               <a:rPr lang="ru-RU" smtClean="0"/>
-              <a:t>18.11.2024</a:t>
+              <a:t>19.11.2024</a:t>
             </a:fld>
             <a:endParaRPr lang="ru-RU"/>
           </a:p>
@@ -4343,7 +4348,7 @@
           <a:p>
             <a:fld id="{206550B1-4194-4AD0-AA33-CD6CCFE28DD2}" type="datetimeFigureOut">
               <a:rPr lang="ru-RU" smtClean="0"/>
-              <a:t>18.11.2024</a:t>
+              <a:t>19.11.2024</a:t>
             </a:fld>
             <a:endParaRPr lang="ru-RU"/>
           </a:p>
@@ -4461,7 +4466,7 @@
           <a:p>
             <a:fld id="{206550B1-4194-4AD0-AA33-CD6CCFE28DD2}" type="datetimeFigureOut">
               <a:rPr lang="ru-RU" smtClean="0"/>
-              <a:t>18.11.2024</a:t>
+              <a:t>19.11.2024</a:t>
             </a:fld>
             <a:endParaRPr lang="ru-RU"/>
           </a:p>
@@ -4556,7 +4561,7 @@
           <a:p>
             <a:fld id="{206550B1-4194-4AD0-AA33-CD6CCFE28DD2}" type="datetimeFigureOut">
               <a:rPr lang="ru-RU" smtClean="0"/>
-              <a:t>18.11.2024</a:t>
+              <a:t>19.11.2024</a:t>
             </a:fld>
             <a:endParaRPr lang="ru-RU"/>
           </a:p>
@@ -4811,7 +4816,7 @@
           <a:p>
             <a:fld id="{206550B1-4194-4AD0-AA33-CD6CCFE28DD2}" type="datetimeFigureOut">
               <a:rPr lang="ru-RU" smtClean="0"/>
-              <a:t>18.11.2024</a:t>
+              <a:t>19.11.2024</a:t>
             </a:fld>
             <a:endParaRPr lang="ru-RU"/>
           </a:p>
@@ -5111,7 +5116,7 @@
           <a:p>
             <a:fld id="{206550B1-4194-4AD0-AA33-CD6CCFE28DD2}" type="datetimeFigureOut">
               <a:rPr lang="ru-RU" smtClean="0"/>
-              <a:t>18.11.2024</a:t>
+              <a:t>19.11.2024</a:t>
             </a:fld>
             <a:endParaRPr lang="ru-RU"/>
           </a:p>
@@ -5345,7 +5350,7 @@
           <a:p>
             <a:fld id="{206550B1-4194-4AD0-AA33-CD6CCFE28DD2}" type="datetimeFigureOut">
               <a:rPr lang="ru-RU" smtClean="0"/>
-              <a:t>18.11.2024</a:t>
+              <a:t>19.11.2024</a:t>
             </a:fld>
             <a:endParaRPr lang="ru-RU"/>
           </a:p>
@@ -6555,21 +6560,68 @@
           </a:p>
         </p:txBody>
       </p:sp>
+      <p:sp>
+        <p:nvSpPr>
+          <p:cNvPr id="3" name="Объект 2">
+            <a:extLst>
+              <a:ext uri="{FF2B5EF4-FFF2-40B4-BE49-F238E27FC236}">
+                <a16:creationId xmlns:a16="http://schemas.microsoft.com/office/drawing/2014/main" id="{9928815B-60B8-CDDD-7528-8B941655FC22}"/>
+              </a:ext>
+            </a:extLst>
+          </p:cNvPr>
+          <p:cNvSpPr>
+            <a:spLocks noGrp="1"/>
+          </p:cNvSpPr>
+          <p:nvPr>
+            <p:ph idx="1"/>
+          </p:nvPr>
+        </p:nvSpPr>
+        <p:spPr>
+          <a:xfrm>
+            <a:off x="326345" y="4486134"/>
+            <a:ext cx="4642470" cy="1503120"/>
+          </a:xfrm>
+        </p:spPr>
+        <p:txBody>
+          <a:bodyPr/>
+          <a:lstStyle/>
+          <a:p>
+            <a:r>
+              <a:rPr lang="ru-RU" dirty="0"/>
+              <a:t>На этом примере видно исходное сообщение</a:t>
+            </a:r>
+            <a:r>
+              <a:rPr lang="en-US" dirty="0"/>
+              <a:t>, </a:t>
+            </a:r>
+            <a:r>
+              <a:rPr lang="ru-RU" dirty="0"/>
+              <a:t>и оно же</a:t>
+            </a:r>
+            <a:r>
+              <a:rPr lang="en-US" dirty="0"/>
+              <a:t>, </a:t>
+            </a:r>
+            <a:r>
+              <a:rPr lang="ru-RU" dirty="0"/>
+              <a:t>но в зашифрованном виде</a:t>
+            </a:r>
+          </a:p>
+        </p:txBody>
+      </p:sp>
       <p:pic>
         <p:nvPicPr>
-          <p:cNvPr id="5" name="Объект 4">
+          <p:cNvPr id="5" name="Рисунок 4">
             <a:extLst>
               <a:ext uri="{FF2B5EF4-FFF2-40B4-BE49-F238E27FC236}">
-                <a16:creationId xmlns:a16="http://schemas.microsoft.com/office/drawing/2014/main" id="{8D618511-EC5C-7C37-DF25-E5CBAB0D847E}"/>
+                <a16:creationId xmlns:a16="http://schemas.microsoft.com/office/drawing/2014/main" id="{48E08EE6-1B5C-E6D0-9C7E-4B0B09DC76E5}"/>
               </a:ext>
             </a:extLst>
           </p:cNvPr>
           <p:cNvPicPr>
-            <a:picLocks noGrp="1" noChangeAspect="1"/>
+            <a:picLocks noChangeAspect="1"/>
           </p:cNvPicPr>
-          <p:nvPr>
-            <p:ph idx="1"/>
-          </p:nvPr>
+          <p:nvPr/>
         </p:nvPicPr>
         <p:blipFill>
           <a:blip r:embed="rId2"/>
@@ -6579,54 +6631,14 @@
         </p:blipFill>
         <p:spPr>
           <a:xfrm>
-            <a:off x="1057364" y="1966912"/>
-            <a:ext cx="5219700" cy="2924175"/>
-          </a:xfrm>
-        </p:spPr>
-      </p:pic>
-      <p:sp>
-        <p:nvSpPr>
-          <p:cNvPr id="6" name="TextBox 5">
-            <a:extLst>
-              <a:ext uri="{FF2B5EF4-FFF2-40B4-BE49-F238E27FC236}">
-                <a16:creationId xmlns:a16="http://schemas.microsoft.com/office/drawing/2014/main" id="{3EC83B9F-1E58-403F-059E-405051519A8F}"/>
-              </a:ext>
-            </a:extLst>
-          </p:cNvPr>
-          <p:cNvSpPr txBox="1"/>
-          <p:nvPr/>
-        </p:nvSpPr>
-        <p:spPr>
-          <a:xfrm>
-            <a:off x="6711352" y="2708693"/>
-            <a:ext cx="4066140" cy="646331"/>
+            <a:off x="732641" y="1465030"/>
+            <a:ext cx="4236174" cy="2589661"/>
           </a:xfrm>
           <a:prstGeom prst="rect">
             <a:avLst/>
           </a:prstGeom>
-          <a:noFill/>
         </p:spPr>
-        <p:txBody>
-          <a:bodyPr wrap="square" rtlCol="0">
-            <a:spAutoFit/>
-          </a:bodyPr>
-          <a:lstStyle/>
-          <a:p>
-            <a:r>
-              <a:rPr lang="ru-RU" dirty="0"/>
-              <a:t>На фотографии видно работу проекта</a:t>
-            </a:r>
-            <a:r>
-              <a:rPr lang="en-US" dirty="0"/>
-              <a:t>, </a:t>
-            </a:r>
-            <a:r>
-              <a:rPr lang="ru-RU" dirty="0"/>
-              <a:t>как работает шифрование</a:t>
-            </a:r>
-          </a:p>
-        </p:txBody>
-      </p:sp>
+      </p:pic>
     </p:spTree>
     <p:extLst>
       <p:ext uri="{BB962C8B-B14F-4D97-AF65-F5344CB8AC3E}">
@@ -6826,7 +6838,7 @@
           <a:p>
             <a:r>
               <a:rPr lang="en-US" dirty="0"/>
-              <a:t>https://github.com/PetrStroganov/cryptography/blob/main/main_window.py</a:t>
+              <a:t>https://github.com/PetrStroganov/cryptography</a:t>
             </a:r>
             <a:endParaRPr lang="ru-RU" dirty="0"/>
           </a:p>

--- a/Презентация.pptx
+++ b/Презентация.pptx
@@ -6560,68 +6560,21 @@
           </a:p>
         </p:txBody>
       </p:sp>
-      <p:sp>
-        <p:nvSpPr>
-          <p:cNvPr id="3" name="Объект 2">
+      <p:pic>
+        <p:nvPicPr>
+          <p:cNvPr id="5" name="Объект 4">
             <a:extLst>
               <a:ext uri="{FF2B5EF4-FFF2-40B4-BE49-F238E27FC236}">
-                <a16:creationId xmlns:a16="http://schemas.microsoft.com/office/drawing/2014/main" id="{9928815B-60B8-CDDD-7528-8B941655FC22}"/>
-              </a:ext>
-            </a:extLst>
-          </p:cNvPr>
-          <p:cNvSpPr>
-            <a:spLocks noGrp="1"/>
-          </p:cNvSpPr>
-          <p:nvPr>
-            <p:ph idx="1"/>
-          </p:nvPr>
-        </p:nvSpPr>
-        <p:spPr>
-          <a:xfrm>
-            <a:off x="326345" y="4486134"/>
-            <a:ext cx="4642470" cy="1503120"/>
-          </a:xfrm>
-        </p:spPr>
-        <p:txBody>
-          <a:bodyPr/>
-          <a:lstStyle/>
-          <a:p>
-            <a:r>
-              <a:rPr lang="ru-RU" dirty="0"/>
-              <a:t>На этом примере видно исходное сообщение</a:t>
-            </a:r>
-            <a:r>
-              <a:rPr lang="en-US" dirty="0"/>
-              <a:t>, </a:t>
-            </a:r>
-            <a:r>
-              <a:rPr lang="ru-RU" dirty="0"/>
-              <a:t>и оно же</a:t>
-            </a:r>
-            <a:r>
-              <a:rPr lang="en-US" dirty="0"/>
-              <a:t>, </a:t>
-            </a:r>
-            <a:r>
-              <a:rPr lang="ru-RU" dirty="0"/>
-              <a:t>но в зашифрованном виде</a:t>
-            </a:r>
-          </a:p>
-        </p:txBody>
-      </p:sp>
-      <p:pic>
-        <p:nvPicPr>
-          <p:cNvPr id="5" name="Рисунок 4">
-            <a:extLst>
-              <a:ext uri="{FF2B5EF4-FFF2-40B4-BE49-F238E27FC236}">
-                <a16:creationId xmlns:a16="http://schemas.microsoft.com/office/drawing/2014/main" id="{48E08EE6-1B5C-E6D0-9C7E-4B0B09DC76E5}"/>
+                <a16:creationId xmlns:a16="http://schemas.microsoft.com/office/drawing/2014/main" id="{8D618511-EC5C-7C37-DF25-E5CBAB0D847E}"/>
               </a:ext>
             </a:extLst>
           </p:cNvPr>
           <p:cNvPicPr>
-            <a:picLocks noChangeAspect="1"/>
+            <a:picLocks noGrp="1" noChangeAspect="1"/>
           </p:cNvPicPr>
-          <p:nvPr/>
+          <p:nvPr>
+            <p:ph idx="1"/>
+          </p:nvPr>
         </p:nvPicPr>
         <p:blipFill>
           <a:blip r:embed="rId2"/>
@@ -6631,14 +6584,54 @@
         </p:blipFill>
         <p:spPr>
           <a:xfrm>
-            <a:off x="732641" y="1465030"/>
-            <a:ext cx="4236174" cy="2589661"/>
+            <a:off x="1057364" y="1966912"/>
+            <a:ext cx="5219700" cy="2924175"/>
+          </a:xfrm>
+        </p:spPr>
+      </p:pic>
+      <p:sp>
+        <p:nvSpPr>
+          <p:cNvPr id="6" name="TextBox 5">
+            <a:extLst>
+              <a:ext uri="{FF2B5EF4-FFF2-40B4-BE49-F238E27FC236}">
+                <a16:creationId xmlns:a16="http://schemas.microsoft.com/office/drawing/2014/main" id="{3EC83B9F-1E58-403F-059E-405051519A8F}"/>
+              </a:ext>
+            </a:extLst>
+          </p:cNvPr>
+          <p:cNvSpPr txBox="1"/>
+          <p:nvPr/>
+        </p:nvSpPr>
+        <p:spPr>
+          <a:xfrm>
+            <a:off x="6711352" y="2708693"/>
+            <a:ext cx="4066140" cy="646331"/>
           </a:xfrm>
           <a:prstGeom prst="rect">
             <a:avLst/>
           </a:prstGeom>
+          <a:noFill/>
         </p:spPr>
-      </p:pic>
+        <p:txBody>
+          <a:bodyPr wrap="square" rtlCol="0">
+            <a:spAutoFit/>
+          </a:bodyPr>
+          <a:lstStyle/>
+          <a:p>
+            <a:r>
+              <a:rPr lang="ru-RU" dirty="0"/>
+              <a:t>На фотографии видно работу проекта</a:t>
+            </a:r>
+            <a:r>
+              <a:rPr lang="en-US" dirty="0"/>
+              <a:t>, </a:t>
+            </a:r>
+            <a:r>
+              <a:rPr lang="ru-RU" dirty="0"/>
+              <a:t>как работает шифрование</a:t>
+            </a:r>
+          </a:p>
+        </p:txBody>
+      </p:sp>
     </p:spTree>
     <p:extLst>
       <p:ext uri="{BB962C8B-B14F-4D97-AF65-F5344CB8AC3E}">
